--- a/T info/[T Info] Service 구성도.pptx
+++ b/T info/[T Info] Service 구성도.pptx
@@ -7529,7 +7529,15 @@
           <a:p>
             <a:r>
               <a:rPr lang="en-US" altLang="ko-KR" sz="1400" b="1" dirty="0" smtClean="0"/>
-              <a:t>COMMON_CODE TABLE</a:t>
+              <a:t>PROD</a:t>
+            </a:r>
+            <a:r>
+              <a:rPr lang="en-US" altLang="ko-KR" sz="1400" b="1" dirty="0" smtClean="0"/>
+              <a:t>_CODE </a:t>
+            </a:r>
+            <a:r>
+              <a:rPr lang="en-US" altLang="ko-KR" sz="1400" b="1" dirty="0" smtClean="0"/>
+              <a:t>TABLE</a:t>
             </a:r>
             <a:endParaRPr lang="ko-KR" altLang="en-US" sz="1400" b="1" dirty="0"/>
           </a:p>
@@ -7544,7 +7552,7 @@
           <p:nvPr>
             <p:extLst>
               <p:ext uri="{D42A27DB-BD31-4B8C-83A1-F6EECF244321}">
-                <p14:modId xmlns:p14="http://schemas.microsoft.com/office/powerpoint/2010/main" val="3808961076"/>
+                <p14:modId xmlns:p14="http://schemas.microsoft.com/office/powerpoint/2010/main" val="428552938"/>
               </p:ext>
             </p:extLst>
           </p:nvPr>
@@ -7804,7 +7812,7 @@
                       <a:pPr latinLnBrk="1"/>
                       <a:r>
                         <a:rPr lang="en-US" altLang="ko-KR" sz="800" dirty="0" smtClean="0"/>
-                        <a:t>COMM_CODE</a:t>
+                        <a:t>PROD_CODE</a:t>
                       </a:r>
                       <a:endParaRPr lang="ko-KR" altLang="en-US" sz="800" dirty="0"/>
                     </a:p>
@@ -7902,7 +7910,7 @@
                       <a:pPr latinLnBrk="1"/>
                       <a:r>
                         <a:rPr lang="en-US" altLang="ko-KR" sz="800" dirty="0" smtClean="0"/>
-                        <a:t>CODE_NAME</a:t>
+                        <a:t>PROD_NAME</a:t>
                       </a:r>
                       <a:endParaRPr lang="ko-KR" altLang="en-US" sz="800" dirty="0"/>
                     </a:p>

--- a/T info/[T Info] Service 구성도.pptx
+++ b/T info/[T Info] Service 구성도.pptx
@@ -3537,51 +3537,6 @@
       </p:sp>
       <p:sp>
         <p:nvSpPr>
-          <p:cNvPr id="22" name="아래쪽 화살표 21"/>
-          <p:cNvSpPr/>
-          <p:nvPr/>
-        </p:nvSpPr>
-        <p:spPr>
-          <a:xfrm>
-            <a:off x="3953607" y="2822769"/>
-            <a:ext cx="216878" cy="582262"/>
-          </a:xfrm>
-          <a:prstGeom prst="downArrow">
-            <a:avLst/>
-          </a:prstGeom>
-          <a:solidFill>
-            <a:schemeClr val="accent6">
-              <a:lumMod val="75000"/>
-            </a:schemeClr>
-          </a:solidFill>
-        </p:spPr>
-        <p:style>
-          <a:lnRef idx="2">
-            <a:schemeClr val="accent1">
-              <a:shade val="50000"/>
-            </a:schemeClr>
-          </a:lnRef>
-          <a:fillRef idx="1">
-            <a:schemeClr val="accent1"/>
-          </a:fillRef>
-          <a:effectRef idx="0">
-            <a:schemeClr val="accent1"/>
-          </a:effectRef>
-          <a:fontRef idx="minor">
-            <a:schemeClr val="lt1"/>
-          </a:fontRef>
-        </p:style>
-        <p:txBody>
-          <a:bodyPr rtlCol="0" anchor="ctr"/>
-          <a:lstStyle/>
-          <a:p>
-            <a:pPr algn="ctr"/>
-            <a:endParaRPr lang="ko-KR" altLang="en-US"/>
-          </a:p>
-        </p:txBody>
-      </p:sp>
-      <p:sp>
-        <p:nvSpPr>
           <p:cNvPr id="23" name="아래쪽 화살표 22"/>
           <p:cNvSpPr/>
           <p:nvPr/>
@@ -4301,7 +4256,7 @@
         </p:nvSpPr>
         <p:spPr>
           <a:xfrm>
-            <a:off x="3094892" y="1677492"/>
+            <a:off x="3140166" y="1483080"/>
             <a:ext cx="967154" cy="276999"/>
           </a:xfrm>
           <a:prstGeom prst="rect">
@@ -4325,13 +4280,13 @@
       </p:sp>
       <p:sp>
         <p:nvSpPr>
-          <p:cNvPr id="45" name="TextBox 44"/>
+          <p:cNvPr id="46" name="TextBox 45"/>
           <p:cNvSpPr txBox="1"/>
           <p:nvPr/>
         </p:nvSpPr>
         <p:spPr>
           <a:xfrm>
-            <a:off x="3094892" y="2959391"/>
+            <a:off x="3087371" y="4212292"/>
             <a:ext cx="967154" cy="276999"/>
           </a:xfrm>
           <a:prstGeom prst="rect">
@@ -4355,14 +4310,14 @@
       </p:sp>
       <p:sp>
         <p:nvSpPr>
-          <p:cNvPr id="46" name="TextBox 45"/>
+          <p:cNvPr id="48" name="TextBox 47"/>
           <p:cNvSpPr txBox="1"/>
           <p:nvPr/>
         </p:nvSpPr>
         <p:spPr>
           <a:xfrm>
-            <a:off x="3087371" y="4212292"/>
-            <a:ext cx="967154" cy="276999"/>
+            <a:off x="4071446" y="1694073"/>
+            <a:ext cx="616778" cy="246221"/>
           </a:xfrm>
           <a:prstGeom prst="rect">
             <a:avLst/>
@@ -4376,36 +4331,6 @@
           <a:lstStyle/>
           <a:p>
             <a:r>
-              <a:rPr lang="en-US" altLang="ko-KR" sz="1200" b="1" dirty="0" smtClean="0"/>
-              <a:t>GET/POST</a:t>
-            </a:r>
-            <a:endParaRPr lang="ko-KR" altLang="en-US" sz="1200" b="1" dirty="0"/>
-          </a:p>
-        </p:txBody>
-      </p:sp>
-      <p:sp>
-        <p:nvSpPr>
-          <p:cNvPr id="48" name="TextBox 47"/>
-          <p:cNvSpPr txBox="1"/>
-          <p:nvPr/>
-        </p:nvSpPr>
-        <p:spPr>
-          <a:xfrm>
-            <a:off x="4107320" y="1682680"/>
-            <a:ext cx="616778" cy="246221"/>
-          </a:xfrm>
-          <a:prstGeom prst="rect">
-            <a:avLst/>
-          </a:prstGeom>
-          <a:noFill/>
-        </p:spPr>
-        <p:txBody>
-          <a:bodyPr wrap="square" rtlCol="0">
-            <a:spAutoFit/>
-          </a:bodyPr>
-          <a:lstStyle/>
-          <a:p>
-            <a:r>
               <a:rPr lang="en-US" altLang="ko-KR" sz="1000" dirty="0" smtClean="0"/>
               <a:t>/details</a:t>
             </a:r>
@@ -4421,7 +4346,7 @@
         </p:nvSpPr>
         <p:spPr>
           <a:xfrm>
-            <a:off x="4146985" y="2952978"/>
+            <a:off x="2954339" y="1826171"/>
             <a:ext cx="773776" cy="246221"/>
           </a:xfrm>
           <a:prstGeom prst="rect">
@@ -4891,6 +4816,141 @@
           </a:prstGeom>
         </p:spPr>
       </p:pic>
+      <p:sp>
+        <p:nvSpPr>
+          <p:cNvPr id="11" name="직사각형 10"/>
+          <p:cNvSpPr/>
+          <p:nvPr/>
+        </p:nvSpPr>
+        <p:spPr>
+          <a:xfrm>
+            <a:off x="2315520" y="1763715"/>
+            <a:ext cx="1694703" cy="106529"/>
+          </a:xfrm>
+          <a:prstGeom prst="rect">
+            <a:avLst/>
+          </a:prstGeom>
+          <a:solidFill>
+            <a:schemeClr val="accent6">
+              <a:lumMod val="75000"/>
+            </a:schemeClr>
+          </a:solidFill>
+        </p:spPr>
+        <p:style>
+          <a:lnRef idx="2">
+            <a:schemeClr val="accent1">
+              <a:shade val="50000"/>
+            </a:schemeClr>
+          </a:lnRef>
+          <a:fillRef idx="1">
+            <a:schemeClr val="accent1"/>
+          </a:fillRef>
+          <a:effectRef idx="0">
+            <a:schemeClr val="accent1"/>
+          </a:effectRef>
+          <a:fontRef idx="minor">
+            <a:schemeClr val="lt1"/>
+          </a:fontRef>
+        </p:style>
+        <p:txBody>
+          <a:bodyPr rtlCol="0" anchor="ctr"/>
+          <a:lstStyle/>
+          <a:p>
+            <a:pPr algn="ctr"/>
+            <a:endParaRPr lang="ko-KR" altLang="en-US"/>
+          </a:p>
+        </p:txBody>
+      </p:sp>
+      <p:sp>
+        <p:nvSpPr>
+          <p:cNvPr id="21" name="직사각형 20"/>
+          <p:cNvSpPr/>
+          <p:nvPr/>
+        </p:nvSpPr>
+        <p:spPr>
+          <a:xfrm>
+            <a:off x="2315519" y="1775333"/>
+            <a:ext cx="119949" cy="2046951"/>
+          </a:xfrm>
+          <a:prstGeom prst="rect">
+            <a:avLst/>
+          </a:prstGeom>
+          <a:solidFill>
+            <a:schemeClr val="accent6">
+              <a:lumMod val="75000"/>
+            </a:schemeClr>
+          </a:solidFill>
+        </p:spPr>
+        <p:style>
+          <a:lnRef idx="2">
+            <a:schemeClr val="accent1">
+              <a:shade val="50000"/>
+            </a:schemeClr>
+          </a:lnRef>
+          <a:fillRef idx="1">
+            <a:schemeClr val="accent1"/>
+          </a:fillRef>
+          <a:effectRef idx="0">
+            <a:schemeClr val="accent1"/>
+          </a:effectRef>
+          <a:fontRef idx="minor">
+            <a:schemeClr val="lt1"/>
+          </a:fontRef>
+        </p:style>
+        <p:txBody>
+          <a:bodyPr rtlCol="0" anchor="ctr"/>
+          <a:lstStyle/>
+          <a:p>
+            <a:pPr algn="ctr"/>
+            <a:endParaRPr lang="ko-KR" altLang="en-US"/>
+          </a:p>
+        </p:txBody>
+      </p:sp>
+      <p:sp>
+        <p:nvSpPr>
+          <p:cNvPr id="25" name="오른쪽 화살표 24"/>
+          <p:cNvSpPr/>
+          <p:nvPr/>
+        </p:nvSpPr>
+        <p:spPr>
+          <a:xfrm>
+            <a:off x="2315520" y="3676048"/>
+            <a:ext cx="498018" cy="206842"/>
+          </a:xfrm>
+          <a:prstGeom prst="rightArrow">
+            <a:avLst/>
+          </a:prstGeom>
+          <a:solidFill>
+            <a:schemeClr val="accent6">
+              <a:lumMod val="75000"/>
+            </a:schemeClr>
+          </a:solidFill>
+        </p:spPr>
+        <p:style>
+          <a:lnRef idx="2">
+            <a:schemeClr val="accent1">
+              <a:shade val="50000"/>
+            </a:schemeClr>
+          </a:lnRef>
+          <a:fillRef idx="1">
+            <a:schemeClr val="accent1"/>
+          </a:fillRef>
+          <a:effectRef idx="0">
+            <a:schemeClr val="accent1"/>
+          </a:effectRef>
+          <a:fontRef idx="minor">
+            <a:schemeClr val="lt1"/>
+          </a:fontRef>
+        </p:style>
+        <p:txBody>
+          <a:bodyPr rtlCol="0" anchor="ctr"/>
+          <a:lstStyle/>
+          <a:p>
+            <a:pPr algn="ctr"/>
+            <a:endParaRPr lang="ko-KR" altLang="en-US"/>
+          </a:p>
+        </p:txBody>
+      </p:sp>
     </p:spTree>
     <p:extLst>
       <p:ext uri="{BB962C8B-B14F-4D97-AF65-F5344CB8AC3E}">

--- a/T info/[T Info] Service 구성도.pptx
+++ b/T info/[T Info] Service 구성도.pptx
@@ -245,7 +245,7 @@
           <a:p>
             <a:fld id="{5062D45A-16E9-425D-A977-10DBA4BEA433}" type="datetimeFigureOut">
               <a:rPr lang="ko-KR" altLang="en-US" smtClean="0"/>
-              <a:t>2020-12-23</a:t>
+              <a:t>2021-01-21</a:t>
             </a:fld>
             <a:endParaRPr lang="ko-KR" altLang="en-US"/>
           </a:p>
@@ -415,7 +415,7 @@
           <a:p>
             <a:fld id="{5062D45A-16E9-425D-A977-10DBA4BEA433}" type="datetimeFigureOut">
               <a:rPr lang="ko-KR" altLang="en-US" smtClean="0"/>
-              <a:t>2020-12-23</a:t>
+              <a:t>2021-01-21</a:t>
             </a:fld>
             <a:endParaRPr lang="ko-KR" altLang="en-US"/>
           </a:p>
@@ -595,7 +595,7 @@
           <a:p>
             <a:fld id="{5062D45A-16E9-425D-A977-10DBA4BEA433}" type="datetimeFigureOut">
               <a:rPr lang="ko-KR" altLang="en-US" smtClean="0"/>
-              <a:t>2020-12-23</a:t>
+              <a:t>2021-01-21</a:t>
             </a:fld>
             <a:endParaRPr lang="ko-KR" altLang="en-US"/>
           </a:p>
@@ -765,7 +765,7 @@
           <a:p>
             <a:fld id="{5062D45A-16E9-425D-A977-10DBA4BEA433}" type="datetimeFigureOut">
               <a:rPr lang="ko-KR" altLang="en-US" smtClean="0"/>
-              <a:t>2020-12-23</a:t>
+              <a:t>2021-01-21</a:t>
             </a:fld>
             <a:endParaRPr lang="ko-KR" altLang="en-US"/>
           </a:p>
@@ -1011,7 +1011,7 @@
           <a:p>
             <a:fld id="{5062D45A-16E9-425D-A977-10DBA4BEA433}" type="datetimeFigureOut">
               <a:rPr lang="ko-KR" altLang="en-US" smtClean="0"/>
-              <a:t>2020-12-23</a:t>
+              <a:t>2021-01-21</a:t>
             </a:fld>
             <a:endParaRPr lang="ko-KR" altLang="en-US"/>
           </a:p>
@@ -1243,7 +1243,7 @@
           <a:p>
             <a:fld id="{5062D45A-16E9-425D-A977-10DBA4BEA433}" type="datetimeFigureOut">
               <a:rPr lang="ko-KR" altLang="en-US" smtClean="0"/>
-              <a:t>2020-12-23</a:t>
+              <a:t>2021-01-21</a:t>
             </a:fld>
             <a:endParaRPr lang="ko-KR" altLang="en-US"/>
           </a:p>
@@ -1610,7 +1610,7 @@
           <a:p>
             <a:fld id="{5062D45A-16E9-425D-A977-10DBA4BEA433}" type="datetimeFigureOut">
               <a:rPr lang="ko-KR" altLang="en-US" smtClean="0"/>
-              <a:t>2020-12-23</a:t>
+              <a:t>2021-01-21</a:t>
             </a:fld>
             <a:endParaRPr lang="ko-KR" altLang="en-US"/>
           </a:p>
@@ -1728,7 +1728,7 @@
           <a:p>
             <a:fld id="{5062D45A-16E9-425D-A977-10DBA4BEA433}" type="datetimeFigureOut">
               <a:rPr lang="ko-KR" altLang="en-US" smtClean="0"/>
-              <a:t>2020-12-23</a:t>
+              <a:t>2021-01-21</a:t>
             </a:fld>
             <a:endParaRPr lang="ko-KR" altLang="en-US"/>
           </a:p>
@@ -1823,7 +1823,7 @@
           <a:p>
             <a:fld id="{5062D45A-16E9-425D-A977-10DBA4BEA433}" type="datetimeFigureOut">
               <a:rPr lang="ko-KR" altLang="en-US" smtClean="0"/>
-              <a:t>2020-12-23</a:t>
+              <a:t>2021-01-21</a:t>
             </a:fld>
             <a:endParaRPr lang="ko-KR" altLang="en-US"/>
           </a:p>
@@ -2100,7 +2100,7 @@
           <a:p>
             <a:fld id="{5062D45A-16E9-425D-A977-10DBA4BEA433}" type="datetimeFigureOut">
               <a:rPr lang="ko-KR" altLang="en-US" smtClean="0"/>
-              <a:t>2020-12-23</a:t>
+              <a:t>2021-01-21</a:t>
             </a:fld>
             <a:endParaRPr lang="ko-KR" altLang="en-US"/>
           </a:p>
@@ -2353,7 +2353,7 @@
           <a:p>
             <a:fld id="{5062D45A-16E9-425D-A977-10DBA4BEA433}" type="datetimeFigureOut">
               <a:rPr lang="ko-KR" altLang="en-US" smtClean="0"/>
-              <a:t>2020-12-23</a:t>
+              <a:t>2021-01-21</a:t>
             </a:fld>
             <a:endParaRPr lang="ko-KR" altLang="en-US"/>
           </a:p>
@@ -2566,7 +2566,7 @@
           <a:p>
             <a:fld id="{5062D45A-16E9-425D-A977-10DBA4BEA433}" type="datetimeFigureOut">
               <a:rPr lang="ko-KR" altLang="en-US" smtClean="0"/>
-              <a:t>2020-12-23</a:t>
+              <a:t>2021-01-21</a:t>
             </a:fld>
             <a:endParaRPr lang="ko-KR" altLang="en-US"/>
           </a:p>
@@ -7593,6 +7593,10 @@
             </a:r>
             <a:r>
               <a:rPr lang="en-US" altLang="ko-KR" sz="1400" b="1" dirty="0" smtClean="0"/>
+              <a:t>UCT</a:t>
+            </a:r>
+            <a:r>
+              <a:rPr lang="en-US" altLang="ko-KR" sz="1400" b="1" dirty="0" smtClean="0"/>
               <a:t>_CODE </a:t>
             </a:r>
             <a:r>
